--- a/monthly_metrics.pptx
+++ b/monthly_metrics.pptx
@@ -15,6 +15,7 @@
     <p:sldId id="263" r:id="rId14"/>
     <p:sldId id="264" r:id="rId15"/>
     <p:sldId id="265" r:id="rId16"/>
+    <p:sldId id="266" r:id="rId17"/>
   </p:sldIdLst>
   <p:sldSz cx="9144000" cy="6858000" type="screen4x3"/>
   <p:notesSz cx="6858000" cy="9144000"/>
@@ -3159,6 +3160,48 @@
       <p:grpSpPr/>
       <p:pic>
         <p:nvPicPr>
+          <p:cNvPr id="2" name="Picture 1" descr="2016 Indicators Single Chart.png"/>
+          <p:cNvPicPr>
+            <a:picLocks noChangeAspect="1"/>
+          </p:cNvPicPr>
+          <p:nvPr/>
+        </p:nvPicPr>
+        <p:blipFill>
+          <a:blip r:embed="rId2"/>
+          <a:stretch>
+            <a:fillRect/>
+          </a:stretch>
+        </p:blipFill>
+        <p:spPr>
+          <a:xfrm>
+            <a:off x="457200" y="457200"/>
+            <a:ext cx="8229600" cy="6400800"/>
+          </a:xfrm>
+          <a:prstGeom prst="rect">
+            <a:avLst/>
+          </a:prstGeom>
+        </p:spPr>
+      </p:pic>
+    </p:spTree>
+  </p:cSld>
+  <p:clrMapOvr>
+    <a:masterClrMapping/>
+  </p:clrMapOvr>
+</p:sld>
+</file>
+
+<file path=ppt/slides/slide11.xml><?xml version="1.0" encoding="utf-8"?>
+<p:sld xmlns:a="http://schemas.openxmlformats.org/drawingml/2006/main" xmlns:p="http://schemas.openxmlformats.org/presentationml/2006/main" xmlns:r="http://schemas.openxmlformats.org/officeDocument/2006/relationships">
+  <p:cSld>
+    <p:spTree>
+      <p:nvGrpSpPr>
+        <p:cNvPr id="1" name=""/>
+        <p:cNvGrpSpPr/>
+        <p:nvPr/>
+      </p:nvGrpSpPr>
+      <p:grpSpPr/>
+      <p:pic>
+        <p:nvPicPr>
           <p:cNvPr id="2" name="Picture 1" descr="Indicators and Product Lines.png"/>
           <p:cNvPicPr>
             <a:picLocks noChangeAspect="1"/>
@@ -3327,7 +3370,7 @@
       <p:grpSpPr/>
       <p:pic>
         <p:nvPicPr>
-          <p:cNvPr id="2" name="Picture 1" descr="product_line_monthly_revenue.png"/>
+          <p:cNvPr id="2" name="Picture 1" descr="image.png"/>
           <p:cNvPicPr>
             <a:picLocks noChangeAspect="1"/>
           </p:cNvPicPr>
@@ -3369,6 +3412,48 @@
       <p:grpSpPr/>
       <p:pic>
         <p:nvPicPr>
+          <p:cNvPr id="2" name="Picture 1" descr="product_line_monthly_revenue.png"/>
+          <p:cNvPicPr>
+            <a:picLocks noChangeAspect="1"/>
+          </p:cNvPicPr>
+          <p:nvPr/>
+        </p:nvPicPr>
+        <p:blipFill>
+          <a:blip r:embed="rId2"/>
+          <a:stretch>
+            <a:fillRect/>
+          </a:stretch>
+        </p:blipFill>
+        <p:spPr>
+          <a:xfrm>
+            <a:off x="457200" y="457200"/>
+            <a:ext cx="8229600" cy="6400800"/>
+          </a:xfrm>
+          <a:prstGeom prst="rect">
+            <a:avLst/>
+          </a:prstGeom>
+        </p:spPr>
+      </p:pic>
+    </p:spTree>
+  </p:cSld>
+  <p:clrMapOvr>
+    <a:masterClrMapping/>
+  </p:clrMapOvr>
+</p:sld>
+</file>
+
+<file path=ppt/slides/slide7.xml><?xml version="1.0" encoding="utf-8"?>
+<p:sld xmlns:a="http://schemas.openxmlformats.org/drawingml/2006/main" xmlns:p="http://schemas.openxmlformats.org/presentationml/2006/main" xmlns:r="http://schemas.openxmlformats.org/officeDocument/2006/relationships">
+  <p:cSld>
+    <p:spTree>
+      <p:nvGrpSpPr>
+        <p:cNvPr id="1" name=""/>
+        <p:cNvGrpSpPr/>
+        <p:nvPr/>
+      </p:nvGrpSpPr>
+      <p:grpSpPr/>
+      <p:pic>
+        <p:nvPicPr>
           <p:cNvPr id="2" name="Picture 1" descr="Revenue by Top Product Lines.png"/>
           <p:cNvPicPr>
             <a:picLocks noChangeAspect="1"/>
@@ -3399,7 +3484,7 @@
 </p:sld>
 </file>
 
-<file path=ppt/slides/slide7.xml><?xml version="1.0" encoding="utf-8"?>
+<file path=ppt/slides/slide8.xml><?xml version="1.0" encoding="utf-8"?>
 <p:sld xmlns:a="http://schemas.openxmlformats.org/drawingml/2006/main" xmlns:p="http://schemas.openxmlformats.org/presentationml/2006/main" xmlns:r="http://schemas.openxmlformats.org/officeDocument/2006/relationships">
   <p:cSld>
     <p:spTree>
@@ -3441,7 +3526,7 @@
 </p:sld>
 </file>
 
-<file path=ppt/slides/slide8.xml><?xml version="1.0" encoding="utf-8"?>
+<file path=ppt/slides/slide9.xml><?xml version="1.0" encoding="utf-8"?>
 <p:sld xmlns:a="http://schemas.openxmlformats.org/drawingml/2006/main" xmlns:p="http://schemas.openxmlformats.org/presentationml/2006/main" xmlns:r="http://schemas.openxmlformats.org/officeDocument/2006/relationships">
   <p:cSld>
     <p:spTree>
@@ -3469,48 +3554,6 @@
           <a:xfrm>
             <a:off x="457200" y="457200"/>
             <a:ext cx="5486400" cy="3657600"/>
-          </a:xfrm>
-          <a:prstGeom prst="rect">
-            <a:avLst/>
-          </a:prstGeom>
-        </p:spPr>
-      </p:pic>
-    </p:spTree>
-  </p:cSld>
-  <p:clrMapOvr>
-    <a:masterClrMapping/>
-  </p:clrMapOvr>
-</p:sld>
-</file>
-
-<file path=ppt/slides/slide9.xml><?xml version="1.0" encoding="utf-8"?>
-<p:sld xmlns:a="http://schemas.openxmlformats.org/drawingml/2006/main" xmlns:p="http://schemas.openxmlformats.org/presentationml/2006/main" xmlns:r="http://schemas.openxmlformats.org/officeDocument/2006/relationships">
-  <p:cSld>
-    <p:spTree>
-      <p:nvGrpSpPr>
-        <p:cNvPr id="1" name=""/>
-        <p:cNvGrpSpPr/>
-        <p:nvPr/>
-      </p:nvGrpSpPr>
-      <p:grpSpPr/>
-      <p:pic>
-        <p:nvPicPr>
-          <p:cNvPr id="2" name="Picture 1" descr="2016 Indicators Single Chart.png"/>
-          <p:cNvPicPr>
-            <a:picLocks noChangeAspect="1"/>
-          </p:cNvPicPr>
-          <p:nvPr/>
-        </p:nvPicPr>
-        <p:blipFill>
-          <a:blip r:embed="rId2"/>
-          <a:stretch>
-            <a:fillRect/>
-          </a:stretch>
-        </p:blipFill>
-        <p:spPr>
-          <a:xfrm>
-            <a:off x="457200" y="457200"/>
-            <a:ext cx="8229600" cy="6400800"/>
           </a:xfrm>
           <a:prstGeom prst="rect">
             <a:avLst/>

--- a/monthly_metrics.pptx
+++ b/monthly_metrics.pptx
@@ -15,7 +15,6 @@
     <p:sldId id="263" r:id="rId14"/>
     <p:sldId id="264" r:id="rId15"/>
     <p:sldId id="265" r:id="rId16"/>
-    <p:sldId id="266" r:id="rId17"/>
   </p:sldIdLst>
   <p:sldSz cx="9144000" cy="6858000" type="screen4x3"/>
   <p:notesSz cx="6858000" cy="9144000"/>
@@ -3160,48 +3159,6 @@
       <p:grpSpPr/>
       <p:pic>
         <p:nvPicPr>
-          <p:cNvPr id="2" name="Picture 1" descr="2016 Indicators Single Chart.png"/>
-          <p:cNvPicPr>
-            <a:picLocks noChangeAspect="1"/>
-          </p:cNvPicPr>
-          <p:nvPr/>
-        </p:nvPicPr>
-        <p:blipFill>
-          <a:blip r:embed="rId2"/>
-          <a:stretch>
-            <a:fillRect/>
-          </a:stretch>
-        </p:blipFill>
-        <p:spPr>
-          <a:xfrm>
-            <a:off x="457200" y="457200"/>
-            <a:ext cx="8229600" cy="6400800"/>
-          </a:xfrm>
-          <a:prstGeom prst="rect">
-            <a:avLst/>
-          </a:prstGeom>
-        </p:spPr>
-      </p:pic>
-    </p:spTree>
-  </p:cSld>
-  <p:clrMapOvr>
-    <a:masterClrMapping/>
-  </p:clrMapOvr>
-</p:sld>
-</file>
-
-<file path=ppt/slides/slide11.xml><?xml version="1.0" encoding="utf-8"?>
-<p:sld xmlns:a="http://schemas.openxmlformats.org/drawingml/2006/main" xmlns:p="http://schemas.openxmlformats.org/presentationml/2006/main" xmlns:r="http://schemas.openxmlformats.org/officeDocument/2006/relationships">
-  <p:cSld>
-    <p:spTree>
-      <p:nvGrpSpPr>
-        <p:cNvPr id="1" name=""/>
-        <p:cNvGrpSpPr/>
-        <p:nvPr/>
-      </p:nvGrpSpPr>
-      <p:grpSpPr/>
-      <p:pic>
-        <p:nvPicPr>
           <p:cNvPr id="2" name="Picture 1" descr="Indicators and Product Lines.png"/>
           <p:cNvPicPr>
             <a:picLocks noChangeAspect="1"/>
@@ -3370,7 +3327,7 @@
       <p:grpSpPr/>
       <p:pic>
         <p:nvPicPr>
-          <p:cNvPr id="2" name="Picture 1" descr="image.png"/>
+          <p:cNvPr id="2" name="Picture 1" descr="product_line_monthly_revenue.png"/>
           <p:cNvPicPr>
             <a:picLocks noChangeAspect="1"/>
           </p:cNvPicPr>
@@ -3412,7 +3369,7 @@
       <p:grpSpPr/>
       <p:pic>
         <p:nvPicPr>
-          <p:cNvPr id="2" name="Picture 1" descr="product_line_monthly_revenue.png"/>
+          <p:cNvPr id="2" name="Picture 1" descr="Revenue by Top Product Lines.png"/>
           <p:cNvPicPr>
             <a:picLocks noChangeAspect="1"/>
           </p:cNvPicPr>
@@ -3427,7 +3384,7 @@
         <p:spPr>
           <a:xfrm>
             <a:off x="457200" y="457200"/>
-            <a:ext cx="8229600" cy="6400800"/>
+            <a:ext cx="8229600" cy="5486400"/>
           </a:xfrm>
           <a:prstGeom prst="rect">
             <a:avLst/>
@@ -3454,7 +3411,7 @@
       <p:grpSpPr/>
       <p:pic>
         <p:nvPicPr>
-          <p:cNvPr id="2" name="Picture 1" descr="Revenue by Top Product Lines.png"/>
+          <p:cNvPr id="2" name="Picture 1" descr="2016 Indicators Bar Chart.png"/>
           <p:cNvPicPr>
             <a:picLocks noChangeAspect="1"/>
           </p:cNvPicPr>
@@ -3496,7 +3453,7 @@
       <p:grpSpPr/>
       <p:pic>
         <p:nvPicPr>
-          <p:cNvPr id="2" name="Picture 1" descr="2016 Indicators Bar Chart.png"/>
+          <p:cNvPr id="2" name="Picture 1" descr="2016 Product Line Revenue.png"/>
           <p:cNvPicPr>
             <a:picLocks noChangeAspect="1"/>
           </p:cNvPicPr>
@@ -3511,7 +3468,7 @@
         <p:spPr>
           <a:xfrm>
             <a:off x="457200" y="457200"/>
-            <a:ext cx="8229600" cy="5486400"/>
+            <a:ext cx="5486400" cy="3657600"/>
           </a:xfrm>
           <a:prstGeom prst="rect">
             <a:avLst/>
@@ -3538,7 +3495,7 @@
       <p:grpSpPr/>
       <p:pic>
         <p:nvPicPr>
-          <p:cNvPr id="2" name="Picture 1" descr="2016 Product Line Revenue.png"/>
+          <p:cNvPr id="2" name="Picture 1" descr="2016 Indicators Single Chart.png"/>
           <p:cNvPicPr>
             <a:picLocks noChangeAspect="1"/>
           </p:cNvPicPr>
@@ -3553,7 +3510,7 @@
         <p:spPr>
           <a:xfrm>
             <a:off x="457200" y="457200"/>
-            <a:ext cx="5486400" cy="3657600"/>
+            <a:ext cx="8229600" cy="6400800"/>
           </a:xfrm>
           <a:prstGeom prst="rect">
             <a:avLst/>
